--- a/soft-arch_GB_VK.pptx
+++ b/soft-arch_GB_VK.pptx
@@ -550,102 +550,35 @@
           <a:p>
             <a:r>
               <a:rPr lang="hu-HU" dirty="0" err="1"/>
-              <a:t>Charafot</a:t>
+              <a:t>Üdvözlök</a:t>
             </a:r>
             <a:r>
               <a:rPr lang="hu-HU" dirty="0"/>
-              <a:t> kell meggyőzni, ő tanulni akar. 10 perces előadás. Mindkét fél beszél.</a:t>
-            </a:r>
-          </a:p>
-          <a:p>
+              <a:t> mindenkit! </a:t>
+            </a:r>
+            <a:r>
+              <a:rPr lang="hu-HU" dirty="0" err="1"/>
+              <a:t>Graics</a:t>
+            </a:r>
+            <a:r>
+              <a:rPr lang="hu-HU" dirty="0"/>
+              <a:t> Bence vagyok. Kollégám </a:t>
+            </a:r>
+            <a:r>
+              <a:rPr lang="hu-HU" dirty="0" err="1"/>
+              <a:t>Verbőczy</a:t>
+            </a:r>
+            <a:r>
+              <a:rPr lang="hu-HU" dirty="0"/>
+              <a:t> Kristóf. </a:t>
+            </a:r>
+            <a:r>
+              <a:rPr lang="hu-HU" dirty="0">
+                <a:effectLst/>
+              </a:rPr>
+              <a:t>A feladatunk egy olyan alkalmazás elkészítése volt, amely angol szavak tanulását segíti.</a:t>
+            </a:r>
             <a:endParaRPr lang="hu-HU" dirty="0"/>
-          </a:p>
-          <a:p>
-            <a:r>
-              <a:rPr lang="hu-HU" dirty="0"/>
-              <a:t>Kérdések: mi mit tanultunk: </a:t>
-            </a:r>
-            <a:r>
-              <a:rPr lang="hu-HU" dirty="0" err="1"/>
-              <a:t>Maven</a:t>
-            </a:r>
-            <a:r>
-              <a:rPr lang="hu-HU" dirty="0"/>
-              <a:t> </a:t>
-            </a:r>
-            <a:r>
-              <a:rPr lang="hu-HU" dirty="0" err="1"/>
-              <a:t>pom</a:t>
-            </a:r>
-            <a:r>
-              <a:rPr lang="hu-HU" dirty="0"/>
-              <a:t> </a:t>
-            </a:r>
-            <a:r>
-              <a:rPr lang="hu-HU" dirty="0" err="1"/>
-              <a:t>xml-ben</a:t>
-            </a:r>
-            <a:r>
-              <a:rPr lang="hu-HU" dirty="0"/>
-              <a:t> </a:t>
-            </a:r>
-            <a:r>
-              <a:rPr lang="hu-HU" dirty="0" err="1"/>
-              <a:t>jackson</a:t>
-            </a:r>
-            <a:r>
-              <a:rPr lang="hu-HU" dirty="0"/>
-              <a:t> </a:t>
-            </a:r>
-            <a:r>
-              <a:rPr lang="hu-HU" dirty="0" err="1"/>
-              <a:t>sorosító</a:t>
-            </a:r>
-            <a:r>
-              <a:rPr lang="hu-HU" dirty="0"/>
-              <a:t>. REST kérésben egy objektum a bodyban, POST-</a:t>
-            </a:r>
-            <a:r>
-              <a:rPr lang="hu-HU" dirty="0" err="1"/>
-              <a:t>nál</a:t>
-            </a:r>
-            <a:r>
-              <a:rPr lang="hu-HU" dirty="0"/>
-              <a:t> nincs </a:t>
-            </a:r>
-            <a:r>
-              <a:rPr lang="hu-HU" dirty="0" err="1"/>
-              <a:t>return</a:t>
-            </a:r>
-            <a:r>
-              <a:rPr lang="hu-HU" dirty="0"/>
-              <a:t> érték, Image mint byte tömb kezelése, </a:t>
-            </a:r>
-            <a:r>
-              <a:rPr lang="hu-HU" dirty="0" err="1"/>
-              <a:t>JavaFX</a:t>
-            </a:r>
-            <a:r>
-              <a:rPr lang="hu-HU" dirty="0"/>
-              <a:t> </a:t>
-            </a:r>
-            <a:r>
-              <a:rPr lang="hu-HU" dirty="0" err="1"/>
-              <a:t>layout</a:t>
-            </a:r>
-            <a:r>
-              <a:rPr lang="hu-HU" dirty="0"/>
-              <a:t> kezelése, Adatbázis felhúzása a nulláról.</a:t>
-            </a:r>
-          </a:p>
-          <a:p>
-            <a:endParaRPr lang="hu-HU" dirty="0"/>
-          </a:p>
-          <a:p>
-            <a:r>
-              <a:rPr lang="hu-HU" dirty="0"/>
-              <a:t>Mennyit dolgoztunk. Milyen volt a munkamegosztás. Mivel szívtunk a legtöbbet.</a:t>
-            </a:r>
           </a:p>
         </p:txBody>
       </p:sp>
@@ -676,6 +609,129 @@
     <p:extLst>
       <p:ext uri="{BB962C8B-B14F-4D97-AF65-F5344CB8AC3E}">
         <p14:creationId xmlns:p14="http://schemas.microsoft.com/office/powerpoint/2010/main" val="3774690418"/>
+      </p:ext>
+    </p:extLst>
+  </p:cSld>
+  <p:clrMapOvr>
+    <a:masterClrMapping/>
+  </p:clrMapOvr>
+</p:notes>
+</file>
+
+<file path=ppt/notesSlides/notesSlide10.xml><?xml version="1.0" encoding="utf-8"?>
+<p:notes xmlns:a="http://schemas.openxmlformats.org/drawingml/2006/main" xmlns:r="http://schemas.openxmlformats.org/officeDocument/2006/relationships" xmlns:p="http://schemas.openxmlformats.org/presentationml/2006/main">
+  <p:cSld>
+    <p:spTree>
+      <p:nvGrpSpPr>
+        <p:cNvPr id="1" name=""/>
+        <p:cNvGrpSpPr/>
+        <p:nvPr/>
+      </p:nvGrpSpPr>
+      <p:grpSpPr>
+        <a:xfrm>
+          <a:off x="0" y="0"/>
+          <a:ext cx="0" cy="0"/>
+          <a:chOff x="0" y="0"/>
+          <a:chExt cx="0" cy="0"/>
+        </a:xfrm>
+      </p:grpSpPr>
+      <p:sp>
+        <p:nvSpPr>
+          <p:cNvPr id="2" name="Diakép helye 1"/>
+          <p:cNvSpPr>
+            <a:spLocks noGrp="1" noRot="1" noChangeAspect="1"/>
+          </p:cNvSpPr>
+          <p:nvPr>
+            <p:ph type="sldImg"/>
+          </p:nvPr>
+        </p:nvSpPr>
+        <p:spPr/>
+      </p:sp>
+      <p:sp>
+        <p:nvSpPr>
+          <p:cNvPr id="3" name="Jegyzetek helye 2"/>
+          <p:cNvSpPr>
+            <a:spLocks noGrp="1"/>
+          </p:cNvSpPr>
+          <p:nvPr>
+            <p:ph type="body" idx="1"/>
+          </p:nvPr>
+        </p:nvSpPr>
+        <p:spPr/>
+        <p:txBody>
+          <a:bodyPr/>
+          <a:lstStyle/>
+          <a:p>
+            <a:r>
+              <a:rPr lang="hu-HU" dirty="0"/>
+              <a:t>Összefoglalva a munkánkat:</a:t>
+            </a:r>
+          </a:p>
+          <a:p>
+            <a:r>
+              <a:rPr lang="hu-HU" dirty="0"/>
+              <a:t>Elkészítettünk egy nyelvtanulást segítő alkalmazást.</a:t>
+            </a:r>
+          </a:p>
+          <a:p>
+            <a:r>
+              <a:rPr lang="hu-HU" dirty="0"/>
+              <a:t>Az alkalmazást kliens-szerver architektúra szerint valósítottuk meg. Létrehoztunk egy kliens és egy szerver komponenst, amelyek hálózaton képesek kommunikálni egymással.</a:t>
+            </a:r>
+          </a:p>
+          <a:p>
+            <a:r>
+              <a:rPr lang="hu-HU" dirty="0"/>
+              <a:t>Az </a:t>
+            </a:r>
+            <a:r>
+              <a:rPr lang="hu-HU" dirty="0" err="1"/>
+              <a:t>alkamlmazást</a:t>
+            </a:r>
+            <a:r>
+              <a:rPr lang="hu-HU" dirty="0"/>
+              <a:t> modern technológiákat felhasználva valósítottuk meg.</a:t>
+            </a:r>
+          </a:p>
+          <a:p>
+            <a:endParaRPr lang="hu-HU" dirty="0"/>
+          </a:p>
+          <a:p>
+            <a:r>
+              <a:rPr lang="hu-HU" dirty="0"/>
+              <a:t>Köszönjük szépen a figyelmet!</a:t>
+            </a:r>
+            <a:endParaRPr lang="en-US" dirty="0"/>
+          </a:p>
+        </p:txBody>
+      </p:sp>
+      <p:sp>
+        <p:nvSpPr>
+          <p:cNvPr id="4" name="Dia számának helye 3"/>
+          <p:cNvSpPr>
+            <a:spLocks noGrp="1"/>
+          </p:cNvSpPr>
+          <p:nvPr>
+            <p:ph type="sldNum" sz="quarter" idx="10"/>
+          </p:nvPr>
+        </p:nvSpPr>
+        <p:spPr/>
+        <p:txBody>
+          <a:bodyPr/>
+          <a:lstStyle/>
+          <a:p>
+            <a:fld id="{1D516FE4-7614-40D7-AE9F-98690E879A96}" type="slidenum">
+              <a:rPr lang="en-US" smtClean="0"/>
+              <a:t>14</a:t>
+            </a:fld>
+            <a:endParaRPr lang="en-US"/>
+          </a:p>
+        </p:txBody>
+      </p:sp>
+    </p:spTree>
+    <p:extLst>
+      <p:ext uri="{BB962C8B-B14F-4D97-AF65-F5344CB8AC3E}">
+        <p14:creationId xmlns:p14="http://schemas.microsoft.com/office/powerpoint/2010/main" val="922909097"/>
       </p:ext>
     </p:extLst>
   </p:cSld>
@@ -729,6 +785,16 @@
           <a:bodyPr/>
           <a:lstStyle/>
           <a:p>
+            <a:r>
+              <a:rPr lang="hu-HU" dirty="0"/>
+              <a:t>Az előadást az elkészített alkalmazás rövid bemutatásával kezdjük. Ezután beszélük az alkalmazás architektúrákáról. Ezután bemutatjuk milyen technológiákat használtunk az implementáció során.</a:t>
+            </a:r>
+          </a:p>
+          <a:p>
+            <a:r>
+              <a:rPr lang="hu-HU" dirty="0"/>
+              <a:t>Az előadásunkat a tanulságokkal zárjuk.</a:t>
+            </a:r>
             <a:endParaRPr lang="en-US" dirty="0"/>
           </a:p>
         </p:txBody>
@@ -750,7 +816,7 @@
           <a:p>
             <a:fld id="{1D516FE4-7614-40D7-AE9F-98690E879A96}" type="slidenum">
               <a:rPr lang="en-US" smtClean="0"/>
-              <a:t>5</a:t>
+              <a:t>2</a:t>
             </a:fld>
             <a:endParaRPr lang="en-US"/>
           </a:p>
@@ -759,7 +825,7 @@
     </p:spTree>
     <p:extLst>
       <p:ext uri="{BB962C8B-B14F-4D97-AF65-F5344CB8AC3E}">
-        <p14:creationId xmlns:p14="http://schemas.microsoft.com/office/powerpoint/2010/main" val="983141771"/>
+        <p14:creationId xmlns:p14="http://schemas.microsoft.com/office/powerpoint/2010/main" val="3081420697"/>
       </p:ext>
     </p:extLst>
   </p:cSld>
@@ -834,7 +900,7 @@
           <a:p>
             <a:fld id="{1D516FE4-7614-40D7-AE9F-98690E879A96}" type="slidenum">
               <a:rPr lang="en-US" smtClean="0"/>
-              <a:t>6</a:t>
+              <a:t>5</a:t>
             </a:fld>
             <a:endParaRPr lang="en-US"/>
           </a:p>
@@ -843,7 +909,7 @@
     </p:spTree>
     <p:extLst>
       <p:ext uri="{BB962C8B-B14F-4D97-AF65-F5344CB8AC3E}">
-        <p14:creationId xmlns:p14="http://schemas.microsoft.com/office/powerpoint/2010/main" val="3157147393"/>
+        <p14:creationId xmlns:p14="http://schemas.microsoft.com/office/powerpoint/2010/main" val="983141771"/>
       </p:ext>
     </p:extLst>
   </p:cSld>
@@ -897,6 +963,90 @@
           <a:bodyPr/>
           <a:lstStyle/>
           <a:p>
+            <a:endParaRPr lang="en-US" dirty="0"/>
+          </a:p>
+        </p:txBody>
+      </p:sp>
+      <p:sp>
+        <p:nvSpPr>
+          <p:cNvPr id="4" name="Dia számának helye 3"/>
+          <p:cNvSpPr>
+            <a:spLocks noGrp="1"/>
+          </p:cNvSpPr>
+          <p:nvPr>
+            <p:ph type="sldNum" sz="quarter" idx="10"/>
+          </p:nvPr>
+        </p:nvSpPr>
+        <p:spPr/>
+        <p:txBody>
+          <a:bodyPr/>
+          <a:lstStyle/>
+          <a:p>
+            <a:fld id="{1D516FE4-7614-40D7-AE9F-98690E879A96}" type="slidenum">
+              <a:rPr lang="en-US" smtClean="0"/>
+              <a:t>6</a:t>
+            </a:fld>
+            <a:endParaRPr lang="en-US"/>
+          </a:p>
+        </p:txBody>
+      </p:sp>
+    </p:spTree>
+    <p:extLst>
+      <p:ext uri="{BB962C8B-B14F-4D97-AF65-F5344CB8AC3E}">
+        <p14:creationId xmlns:p14="http://schemas.microsoft.com/office/powerpoint/2010/main" val="3157147393"/>
+      </p:ext>
+    </p:extLst>
+  </p:cSld>
+  <p:clrMapOvr>
+    <a:masterClrMapping/>
+  </p:clrMapOvr>
+</p:notes>
+</file>
+
+<file path=ppt/notesSlides/notesSlide5.xml><?xml version="1.0" encoding="utf-8"?>
+<p:notes xmlns:a="http://schemas.openxmlformats.org/drawingml/2006/main" xmlns:r="http://schemas.openxmlformats.org/officeDocument/2006/relationships" xmlns:p="http://schemas.openxmlformats.org/presentationml/2006/main">
+  <p:cSld>
+    <p:spTree>
+      <p:nvGrpSpPr>
+        <p:cNvPr id="1" name=""/>
+        <p:cNvGrpSpPr/>
+        <p:nvPr/>
+      </p:nvGrpSpPr>
+      <p:grpSpPr>
+        <a:xfrm>
+          <a:off x="0" y="0"/>
+          <a:ext cx="0" cy="0"/>
+          <a:chOff x="0" y="0"/>
+          <a:chExt cx="0" cy="0"/>
+        </a:xfrm>
+      </p:grpSpPr>
+      <p:sp>
+        <p:nvSpPr>
+          <p:cNvPr id="2" name="Diakép helye 1"/>
+          <p:cNvSpPr>
+            <a:spLocks noGrp="1" noRot="1" noChangeAspect="1"/>
+          </p:cNvSpPr>
+          <p:nvPr>
+            <p:ph type="sldImg"/>
+          </p:nvPr>
+        </p:nvSpPr>
+        <p:spPr/>
+      </p:sp>
+      <p:sp>
+        <p:nvSpPr>
+          <p:cNvPr id="3" name="Jegyzetek helye 2"/>
+          <p:cNvSpPr>
+            <a:spLocks noGrp="1"/>
+          </p:cNvSpPr>
+          <p:nvPr>
+            <p:ph type="body" idx="1"/>
+          </p:nvPr>
+        </p:nvSpPr>
+        <p:spPr/>
+        <p:txBody>
+          <a:bodyPr/>
+          <a:lstStyle/>
+          <a:p>
             <a:endParaRPr lang="hu-HU" dirty="0"/>
           </a:p>
         </p:txBody>
@@ -928,6 +1078,494 @@
     <p:extLst>
       <p:ext uri="{BB962C8B-B14F-4D97-AF65-F5344CB8AC3E}">
         <p14:creationId xmlns:p14="http://schemas.microsoft.com/office/powerpoint/2010/main" val="686038815"/>
+      </p:ext>
+    </p:extLst>
+  </p:cSld>
+  <p:clrMapOvr>
+    <a:masterClrMapping/>
+  </p:clrMapOvr>
+</p:notes>
+</file>
+
+<file path=ppt/notesSlides/notesSlide6.xml><?xml version="1.0" encoding="utf-8"?>
+<p:notes xmlns:a="http://schemas.openxmlformats.org/drawingml/2006/main" xmlns:r="http://schemas.openxmlformats.org/officeDocument/2006/relationships" xmlns:p="http://schemas.openxmlformats.org/presentationml/2006/main">
+  <p:cSld>
+    <p:spTree>
+      <p:nvGrpSpPr>
+        <p:cNvPr id="1" name=""/>
+        <p:cNvGrpSpPr/>
+        <p:nvPr/>
+      </p:nvGrpSpPr>
+      <p:grpSpPr>
+        <a:xfrm>
+          <a:off x="0" y="0"/>
+          <a:ext cx="0" cy="0"/>
+          <a:chOff x="0" y="0"/>
+          <a:chExt cx="0" cy="0"/>
+        </a:xfrm>
+      </p:grpSpPr>
+      <p:sp>
+        <p:nvSpPr>
+          <p:cNvPr id="2" name="Diakép helye 1"/>
+          <p:cNvSpPr>
+            <a:spLocks noGrp="1" noRot="1" noChangeAspect="1"/>
+          </p:cNvSpPr>
+          <p:nvPr>
+            <p:ph type="sldImg"/>
+          </p:nvPr>
+        </p:nvSpPr>
+        <p:spPr/>
+      </p:sp>
+      <p:sp>
+        <p:nvSpPr>
+          <p:cNvPr id="3" name="Jegyzetek helye 2"/>
+          <p:cNvSpPr>
+            <a:spLocks noGrp="1"/>
+          </p:cNvSpPr>
+          <p:nvPr>
+            <p:ph type="body" idx="1"/>
+          </p:nvPr>
+        </p:nvSpPr>
+        <p:spPr/>
+        <p:txBody>
+          <a:bodyPr/>
+          <a:lstStyle/>
+          <a:p>
+            <a:r>
+              <a:rPr lang="hu-HU" dirty="0"/>
+              <a:t>A kliens is egy rétegzett architektúra szerint lett megvalósítva.</a:t>
+            </a:r>
+          </a:p>
+          <a:p>
+            <a:r>
+              <a:rPr lang="hu-HU" dirty="0"/>
+              <a:t>A legfelső réteg a „Megjelenítés réteg”, feladata, hogy az adatokat prezentálja a felhasználók felé.</a:t>
+            </a:r>
+          </a:p>
+          <a:p>
+            <a:r>
+              <a:rPr lang="hu-HU" dirty="0"/>
+              <a:t>Ez a réteg az „Üzleti logika réteg” szolgáltatásaira épül, amelynek a feladata a felhasználói interakciók kezelése, pl.: leckék hozzáadása az adatbázishoz, illetve a logika megvalósítása. Az egyik legbonyolultabb logika az alkalmazásban egy lecke levezénylése.</a:t>
+            </a:r>
+          </a:p>
+          <a:p>
+            <a:r>
+              <a:rPr lang="hu-HU" dirty="0"/>
+              <a:t>Az „Üzleti logika réteg” a „Szolgáltatás hozzáférés rétegre” épül, amelynek feladata, hogy a kéréseket továbbítsa a szerver felé, jól definiált interfészekre támaszkodva, REST kérések formájában.</a:t>
+            </a:r>
+          </a:p>
+          <a:p>
+            <a:endParaRPr lang="en-US" dirty="0"/>
+          </a:p>
+        </p:txBody>
+      </p:sp>
+      <p:sp>
+        <p:nvSpPr>
+          <p:cNvPr id="4" name="Dia számának helye 3"/>
+          <p:cNvSpPr>
+            <a:spLocks noGrp="1"/>
+          </p:cNvSpPr>
+          <p:nvPr>
+            <p:ph type="sldNum" sz="quarter" idx="10"/>
+          </p:nvPr>
+        </p:nvSpPr>
+        <p:spPr/>
+        <p:txBody>
+          <a:bodyPr/>
+          <a:lstStyle/>
+          <a:p>
+            <a:fld id="{1D516FE4-7614-40D7-AE9F-98690E879A96}" type="slidenum">
+              <a:rPr lang="en-US" smtClean="0"/>
+              <a:t>10</a:t>
+            </a:fld>
+            <a:endParaRPr lang="en-US"/>
+          </a:p>
+        </p:txBody>
+      </p:sp>
+    </p:spTree>
+    <p:extLst>
+      <p:ext uri="{BB962C8B-B14F-4D97-AF65-F5344CB8AC3E}">
+        <p14:creationId xmlns:p14="http://schemas.microsoft.com/office/powerpoint/2010/main" val="1823356172"/>
+      </p:ext>
+    </p:extLst>
+  </p:cSld>
+  <p:clrMapOvr>
+    <a:masterClrMapping/>
+  </p:clrMapOvr>
+</p:notes>
+</file>
+
+<file path=ppt/notesSlides/notesSlide7.xml><?xml version="1.0" encoding="utf-8"?>
+<p:notes xmlns:a="http://schemas.openxmlformats.org/drawingml/2006/main" xmlns:r="http://schemas.openxmlformats.org/officeDocument/2006/relationships" xmlns:p="http://schemas.openxmlformats.org/presentationml/2006/main">
+  <p:cSld>
+    <p:spTree>
+      <p:nvGrpSpPr>
+        <p:cNvPr id="1" name=""/>
+        <p:cNvGrpSpPr/>
+        <p:nvPr/>
+      </p:nvGrpSpPr>
+      <p:grpSpPr>
+        <a:xfrm>
+          <a:off x="0" y="0"/>
+          <a:ext cx="0" cy="0"/>
+          <a:chOff x="0" y="0"/>
+          <a:chExt cx="0" cy="0"/>
+        </a:xfrm>
+      </p:grpSpPr>
+      <p:sp>
+        <p:nvSpPr>
+          <p:cNvPr id="2" name="Diakép helye 1"/>
+          <p:cNvSpPr>
+            <a:spLocks noGrp="1" noRot="1" noChangeAspect="1"/>
+          </p:cNvSpPr>
+          <p:nvPr>
+            <p:ph type="sldImg"/>
+          </p:nvPr>
+        </p:nvSpPr>
+        <p:spPr/>
+      </p:sp>
+      <p:sp>
+        <p:nvSpPr>
+          <p:cNvPr id="3" name="Jegyzetek helye 2"/>
+          <p:cNvSpPr>
+            <a:spLocks noGrp="1"/>
+          </p:cNvSpPr>
+          <p:nvPr>
+            <p:ph type="body" idx="1"/>
+          </p:nvPr>
+        </p:nvSpPr>
+        <p:spPr/>
+        <p:txBody>
+          <a:bodyPr/>
+          <a:lstStyle/>
+          <a:p>
+            <a:r>
+              <a:rPr lang="hu-HU" dirty="0"/>
+              <a:t>Az alkalmazás Java környezetben lett megvalósítva, így az használható mind Windows, mind </a:t>
+            </a:r>
+            <a:r>
+              <a:rPr lang="hu-HU" dirty="0" err="1"/>
+              <a:t>Unixos</a:t>
+            </a:r>
+            <a:r>
+              <a:rPr lang="hu-HU" dirty="0"/>
+              <a:t> platformokon is.</a:t>
+            </a:r>
+          </a:p>
+          <a:p>
+            <a:r>
+              <a:rPr lang="hu-HU" dirty="0"/>
+              <a:t>Az alkalmazás </a:t>
+            </a:r>
+            <a:r>
+              <a:rPr lang="hu-HU" dirty="0" err="1"/>
+              <a:t>buildelését</a:t>
+            </a:r>
+            <a:r>
+              <a:rPr lang="hu-HU" dirty="0"/>
+              <a:t> és függőségek feloldását </a:t>
+            </a:r>
+            <a:r>
+              <a:rPr lang="hu-HU" dirty="0" err="1"/>
+              <a:t>Mavennel</a:t>
+            </a:r>
+            <a:r>
+              <a:rPr lang="hu-HU" dirty="0"/>
+              <a:t> oldottuk meg.</a:t>
+            </a:r>
+          </a:p>
+          <a:p>
+            <a:r>
+              <a:rPr lang="hu-HU" dirty="0"/>
+              <a:t>A szerver </a:t>
+            </a:r>
+            <a:r>
+              <a:rPr lang="hu-HU" dirty="0" err="1"/>
+              <a:t>hostolásához</a:t>
+            </a:r>
+            <a:r>
+              <a:rPr lang="hu-HU" dirty="0"/>
+              <a:t> a </a:t>
+            </a:r>
+            <a:r>
+              <a:rPr lang="hu-HU" dirty="0" err="1"/>
+              <a:t>Wildfly</a:t>
+            </a:r>
+            <a:r>
+              <a:rPr lang="hu-HU" dirty="0"/>
+              <a:t>-t használtuk fel.</a:t>
+            </a:r>
+          </a:p>
+          <a:p>
+            <a:r>
+              <a:rPr lang="hu-HU" dirty="0"/>
+              <a:t>Az adatbázis, amelyben tároljuk az adatokat egy Oracle adatbázis.</a:t>
+            </a:r>
+          </a:p>
+          <a:p>
+            <a:r>
+              <a:rPr lang="hu-HU" dirty="0"/>
+              <a:t>Végül a grafikus felületet </a:t>
+            </a:r>
+            <a:r>
+              <a:rPr lang="hu-HU" dirty="0" err="1"/>
+              <a:t>JavaFX</a:t>
+            </a:r>
+            <a:r>
+              <a:rPr lang="hu-HU" dirty="0"/>
+              <a:t>-szel valósítottuk meg.</a:t>
+            </a:r>
+          </a:p>
+          <a:p>
+            <a:endParaRPr lang="en-US" dirty="0"/>
+          </a:p>
+        </p:txBody>
+      </p:sp>
+      <p:sp>
+        <p:nvSpPr>
+          <p:cNvPr id="4" name="Dia számának helye 3"/>
+          <p:cNvSpPr>
+            <a:spLocks noGrp="1"/>
+          </p:cNvSpPr>
+          <p:nvPr>
+            <p:ph type="sldNum" sz="quarter" idx="10"/>
+          </p:nvPr>
+        </p:nvSpPr>
+        <p:spPr/>
+        <p:txBody>
+          <a:bodyPr/>
+          <a:lstStyle/>
+          <a:p>
+            <a:fld id="{1D516FE4-7614-40D7-AE9F-98690E879A96}" type="slidenum">
+              <a:rPr lang="en-US" smtClean="0"/>
+              <a:t>11</a:t>
+            </a:fld>
+            <a:endParaRPr lang="en-US"/>
+          </a:p>
+        </p:txBody>
+      </p:sp>
+    </p:spTree>
+    <p:extLst>
+      <p:ext uri="{BB962C8B-B14F-4D97-AF65-F5344CB8AC3E}">
+        <p14:creationId xmlns:p14="http://schemas.microsoft.com/office/powerpoint/2010/main" val="768897441"/>
+      </p:ext>
+    </p:extLst>
+  </p:cSld>
+  <p:clrMapOvr>
+    <a:masterClrMapping/>
+  </p:clrMapOvr>
+</p:notes>
+</file>
+
+<file path=ppt/notesSlides/notesSlide8.xml><?xml version="1.0" encoding="utf-8"?>
+<p:notes xmlns:a="http://schemas.openxmlformats.org/drawingml/2006/main" xmlns:r="http://schemas.openxmlformats.org/officeDocument/2006/relationships" xmlns:p="http://schemas.openxmlformats.org/presentationml/2006/main">
+  <p:cSld>
+    <p:spTree>
+      <p:nvGrpSpPr>
+        <p:cNvPr id="1" name=""/>
+        <p:cNvGrpSpPr/>
+        <p:nvPr/>
+      </p:nvGrpSpPr>
+      <p:grpSpPr>
+        <a:xfrm>
+          <a:off x="0" y="0"/>
+          <a:ext cx="0" cy="0"/>
+          <a:chOff x="0" y="0"/>
+          <a:chExt cx="0" cy="0"/>
+        </a:xfrm>
+      </p:grpSpPr>
+      <p:sp>
+        <p:nvSpPr>
+          <p:cNvPr id="2" name="Diakép helye 1"/>
+          <p:cNvSpPr>
+            <a:spLocks noGrp="1" noRot="1" noChangeAspect="1"/>
+          </p:cNvSpPr>
+          <p:nvPr>
+            <p:ph type="sldImg"/>
+          </p:nvPr>
+        </p:nvSpPr>
+        <p:spPr/>
+      </p:sp>
+      <p:sp>
+        <p:nvSpPr>
+          <p:cNvPr id="3" name="Jegyzetek helye 2"/>
+          <p:cNvSpPr>
+            <a:spLocks noGrp="1"/>
+          </p:cNvSpPr>
+          <p:nvPr>
+            <p:ph type="body" idx="1"/>
+          </p:nvPr>
+        </p:nvSpPr>
+        <p:spPr/>
+        <p:txBody>
+          <a:bodyPr/>
+          <a:lstStyle/>
+          <a:p>
+            <a:r>
+              <a:rPr lang="hu-HU" dirty="0"/>
+              <a:t>Biztosan állíthatom, hogy sokat tanultunk ebből a feladatból.</a:t>
+            </a:r>
+          </a:p>
+          <a:p>
+            <a:r>
+              <a:rPr lang="hu-HU" dirty="0"/>
+              <a:t>Első tanulság, hogy a Java platform nagyon elterjedt, egy-egy feladatra nagyon sok jóminőségű </a:t>
+            </a:r>
+            <a:r>
+              <a:rPr lang="hu-HU" dirty="0" err="1"/>
+              <a:t>library</a:t>
+            </a:r>
+            <a:r>
+              <a:rPr lang="hu-HU" dirty="0"/>
+              <a:t> választható. És nagyon sokan használnak Java-t.</a:t>
+            </a:r>
+          </a:p>
+          <a:p>
+            <a:r>
+              <a:rPr lang="hu-HU" dirty="0"/>
+              <a:t>Második tanulság, hogy a környezet összeállítása, főleg a webes kommunikáció és a sok függőség miatt nem triviális, még olyan keretrendszerek felhasználásával sem, amelyeket pont ilyen problémákra fejlesztettek.</a:t>
+            </a:r>
+            <a:endParaRPr lang="en-US" dirty="0"/>
+          </a:p>
+        </p:txBody>
+      </p:sp>
+      <p:sp>
+        <p:nvSpPr>
+          <p:cNvPr id="4" name="Dia számának helye 3"/>
+          <p:cNvSpPr>
+            <a:spLocks noGrp="1"/>
+          </p:cNvSpPr>
+          <p:nvPr>
+            <p:ph type="sldNum" sz="quarter" idx="10"/>
+          </p:nvPr>
+        </p:nvSpPr>
+        <p:spPr/>
+        <p:txBody>
+          <a:bodyPr/>
+          <a:lstStyle/>
+          <a:p>
+            <a:fld id="{1D516FE4-7614-40D7-AE9F-98690E879A96}" type="slidenum">
+              <a:rPr lang="en-US" smtClean="0"/>
+              <a:t>12</a:t>
+            </a:fld>
+            <a:endParaRPr lang="en-US"/>
+          </a:p>
+        </p:txBody>
+      </p:sp>
+    </p:spTree>
+    <p:extLst>
+      <p:ext uri="{BB962C8B-B14F-4D97-AF65-F5344CB8AC3E}">
+        <p14:creationId xmlns:p14="http://schemas.microsoft.com/office/powerpoint/2010/main" val="1179736494"/>
+      </p:ext>
+    </p:extLst>
+  </p:cSld>
+  <p:clrMapOvr>
+    <a:masterClrMapping/>
+  </p:clrMapOvr>
+</p:notes>
+</file>
+
+<file path=ppt/notesSlides/notesSlide9.xml><?xml version="1.0" encoding="utf-8"?>
+<p:notes xmlns:a="http://schemas.openxmlformats.org/drawingml/2006/main" xmlns:r="http://schemas.openxmlformats.org/officeDocument/2006/relationships" xmlns:p="http://schemas.openxmlformats.org/presentationml/2006/main">
+  <p:cSld>
+    <p:spTree>
+      <p:nvGrpSpPr>
+        <p:cNvPr id="1" name=""/>
+        <p:cNvGrpSpPr/>
+        <p:nvPr/>
+      </p:nvGrpSpPr>
+      <p:grpSpPr>
+        <a:xfrm>
+          <a:off x="0" y="0"/>
+          <a:ext cx="0" cy="0"/>
+          <a:chOff x="0" y="0"/>
+          <a:chExt cx="0" cy="0"/>
+        </a:xfrm>
+      </p:grpSpPr>
+      <p:sp>
+        <p:nvSpPr>
+          <p:cNvPr id="2" name="Diakép helye 1"/>
+          <p:cNvSpPr>
+            <a:spLocks noGrp="1" noRot="1" noChangeAspect="1"/>
+          </p:cNvSpPr>
+          <p:nvPr>
+            <p:ph type="sldImg"/>
+          </p:nvPr>
+        </p:nvSpPr>
+        <p:spPr/>
+      </p:sp>
+      <p:sp>
+        <p:nvSpPr>
+          <p:cNvPr id="3" name="Jegyzetek helye 2"/>
+          <p:cNvSpPr>
+            <a:spLocks noGrp="1"/>
+          </p:cNvSpPr>
+          <p:nvPr>
+            <p:ph type="body" idx="1"/>
+          </p:nvPr>
+        </p:nvSpPr>
+        <p:spPr/>
+        <p:txBody>
+          <a:bodyPr/>
+          <a:lstStyle/>
+          <a:p>
+            <a:r>
+              <a:rPr lang="hu-HU" dirty="0"/>
+              <a:t>Továbbá az adatbázis elérés talán könnyebb lett volna valamilyen magasabb szintű keretrendszer felhasználásával, pl. </a:t>
+            </a:r>
+            <a:r>
+              <a:rPr lang="hu-HU" dirty="0" err="1"/>
+              <a:t>Híbernate</a:t>
+            </a:r>
+            <a:r>
+              <a:rPr lang="hu-HU" dirty="0"/>
+              <a:t>-tel.</a:t>
+            </a:r>
+          </a:p>
+          <a:p>
+            <a:r>
+              <a:rPr lang="hu-HU" dirty="0"/>
+              <a:t>Végül, a grafikus felület programozása nehézkes lehet, még </a:t>
+            </a:r>
+            <a:r>
+              <a:rPr lang="hu-HU" dirty="0" err="1"/>
+              <a:t>JavaFX</a:t>
+            </a:r>
+            <a:r>
+              <a:rPr lang="hu-HU" dirty="0"/>
+              <a:t>-szel is. Jó volna egy magasabb szintű keretrendszer, amely támogatja pl.: az adatkötéseket. Sajnos ilyen téren a Java világban elterjedt megoldás nincs. A .NET világ ilyen téren a Java előtt jár.</a:t>
+            </a:r>
+            <a:endParaRPr lang="en-US" dirty="0"/>
+          </a:p>
+        </p:txBody>
+      </p:sp>
+      <p:sp>
+        <p:nvSpPr>
+          <p:cNvPr id="4" name="Dia számának helye 3"/>
+          <p:cNvSpPr>
+            <a:spLocks noGrp="1"/>
+          </p:cNvSpPr>
+          <p:nvPr>
+            <p:ph type="sldNum" sz="quarter" idx="10"/>
+          </p:nvPr>
+        </p:nvSpPr>
+        <p:spPr/>
+        <p:txBody>
+          <a:bodyPr/>
+          <a:lstStyle/>
+          <a:p>
+            <a:fld id="{1D516FE4-7614-40D7-AE9F-98690E879A96}" type="slidenum">
+              <a:rPr lang="en-US" smtClean="0"/>
+              <a:t>13</a:t>
+            </a:fld>
+            <a:endParaRPr lang="en-US"/>
+          </a:p>
+        </p:txBody>
+      </p:sp>
+    </p:spTree>
+    <p:extLst>
+      <p:ext uri="{BB962C8B-B14F-4D97-AF65-F5344CB8AC3E}">
+        <p14:creationId xmlns:p14="http://schemas.microsoft.com/office/powerpoint/2010/main" val="279951789"/>
       </p:ext>
     </p:extLst>
   </p:cSld>
@@ -8091,7 +8729,7 @@
             </a:pPr>
             <a:r>
               <a:rPr lang="hu-HU" sz="2800" dirty="0"/>
-              <a:t>Platformfüggetlen</a:t>
+              <a:t>Platformfüggetlenség</a:t>
             </a:r>
           </a:p>
           <a:p>
@@ -8134,14 +8772,6 @@
                 <a:spcPts val="1400"/>
               </a:spcBef>
             </a:pPr>
-            <a:r>
-              <a:rPr lang="hu-HU" sz="2800" dirty="0" err="1"/>
-              <a:t>Maven</a:t>
-            </a:r>
-            <a:r>
-              <a:rPr lang="hu-HU" sz="2800" dirty="0"/>
-              <a:t> </a:t>
-            </a:r>
             <a:r>
               <a:rPr lang="hu-HU" sz="2800" dirty="0" err="1"/>
               <a:t>WildFly</a:t>
@@ -8203,7 +8833,7 @@
           <p:nvPr/>
         </p:nvPicPr>
         <p:blipFill>
-          <a:blip r:embed="rId2">
+          <a:blip r:embed="rId3">
             <a:extLst>
               <a:ext uri="{28A0092B-C50C-407E-A947-70E740481C1C}">
                 <a14:useLocalDpi xmlns:a14="http://schemas.microsoft.com/office/drawing/2010/main" val="0"/>
@@ -8284,7 +8914,7 @@
           <p:nvPr/>
         </p:nvPicPr>
         <p:blipFill>
-          <a:blip r:embed="rId3">
+          <a:blip r:embed="rId4">
             <a:extLst>
               <a:ext uri="{28A0092B-C50C-407E-A947-70E740481C1C}">
                 <a14:useLocalDpi xmlns:a14="http://schemas.microsoft.com/office/drawing/2010/main" val="0"/>
@@ -8320,7 +8950,7 @@
           <p:nvPr/>
         </p:nvPicPr>
         <p:blipFill>
-          <a:blip r:embed="rId4">
+          <a:blip r:embed="rId5">
             <a:extLst>
               <a:ext uri="{28A0092B-C50C-407E-A947-70E740481C1C}">
                 <a14:useLocalDpi xmlns:a14="http://schemas.microsoft.com/office/drawing/2010/main" val="0"/>

--- a/soft-arch_GB_VK.pptx
+++ b/soft-arch_GB_VK.pptx
@@ -5,7 +5,7 @@
     <p:sldMasterId id="2147483800" r:id="rId1"/>
   </p:sldMasterIdLst>
   <p:notesMasterIdLst>
-    <p:notesMasterId r:id="rId16"/>
+    <p:notesMasterId r:id="rId17"/>
   </p:notesMasterIdLst>
   <p:sldIdLst>
     <p:sldId id="256" r:id="rId2"/>
@@ -22,6 +22,7 @@
     <p:sldId id="269" r:id="rId13"/>
     <p:sldId id="270" r:id="rId14"/>
     <p:sldId id="271" r:id="rId15"/>
+    <p:sldId id="273" r:id="rId16"/>
   </p:sldIdLst>
   <p:sldSz cx="9144000" cy="6858000" type="screen4x3"/>
   <p:notesSz cx="6858000" cy="9144000"/>
@@ -139,6 +140,7 @@
             <p14:sldId id="269"/>
             <p14:sldId id="270"/>
             <p14:sldId id="271"/>
+            <p14:sldId id="273"/>
           </p14:sldIdLst>
         </p14:section>
       </p14:sectionLst>
@@ -576,7 +578,7 @@
               <a:rPr lang="hu-HU" dirty="0">
                 <a:effectLst/>
               </a:rPr>
-              <a:t>A feladatunk egy olyan alkalmazás elkészítése volt, amely angol szavak tanulását segíti.</a:t>
+              <a:t>A feladatunk egy olyan alkalmazás elkészítése volt magyarul tudó felhasználók számára, amely angol szavak tanulását segíti.</a:t>
             </a:r>
             <a:endParaRPr lang="hu-HU" dirty="0"/>
           </a:p>
@@ -664,6 +666,116 @@
           <a:p>
             <a:r>
               <a:rPr lang="hu-HU" dirty="0"/>
+              <a:t>Továbbá az adatbázis elérés talán könnyebb lett volna valamilyen magasabb szintű keretrendszer felhasználásával, pl. </a:t>
+            </a:r>
+            <a:r>
+              <a:rPr lang="hu-HU" dirty="0" err="1"/>
+              <a:t>Hibernate</a:t>
+            </a:r>
+            <a:r>
+              <a:rPr lang="hu-HU" dirty="0"/>
+              <a:t>-tel.</a:t>
+            </a:r>
+          </a:p>
+          <a:p>
+            <a:r>
+              <a:rPr lang="hu-HU" dirty="0"/>
+              <a:t>Végül, a grafikus felület programozása nehézkes volt, még </a:t>
+            </a:r>
+            <a:r>
+              <a:rPr lang="hu-HU" dirty="0" err="1"/>
+              <a:t>JavaFX</a:t>
+            </a:r>
+            <a:r>
+              <a:rPr lang="hu-HU" dirty="0"/>
+              <a:t>-szel is. Jó lett volna egy magasabb szintű keretrendszer, amely támogatja pl.: az adatkötéseket. Sajnos ilyen területen a Java világban elterjedt megoldás nincs. A .NET világ ilyen téren a Java előtt jár.</a:t>
+            </a:r>
+            <a:endParaRPr lang="en-US" dirty="0"/>
+          </a:p>
+        </p:txBody>
+      </p:sp>
+      <p:sp>
+        <p:nvSpPr>
+          <p:cNvPr id="4" name="Dia számának helye 3"/>
+          <p:cNvSpPr>
+            <a:spLocks noGrp="1"/>
+          </p:cNvSpPr>
+          <p:nvPr>
+            <p:ph type="sldNum" sz="quarter" idx="10"/>
+          </p:nvPr>
+        </p:nvSpPr>
+        <p:spPr/>
+        <p:txBody>
+          <a:bodyPr/>
+          <a:lstStyle/>
+          <a:p>
+            <a:fld id="{1D516FE4-7614-40D7-AE9F-98690E879A96}" type="slidenum">
+              <a:rPr lang="en-US" smtClean="0"/>
+              <a:t>13</a:t>
+            </a:fld>
+            <a:endParaRPr lang="en-US"/>
+          </a:p>
+        </p:txBody>
+      </p:sp>
+    </p:spTree>
+    <p:extLst>
+      <p:ext uri="{BB962C8B-B14F-4D97-AF65-F5344CB8AC3E}">
+        <p14:creationId xmlns:p14="http://schemas.microsoft.com/office/powerpoint/2010/main" val="279951789"/>
+      </p:ext>
+    </p:extLst>
+  </p:cSld>
+  <p:clrMapOvr>
+    <a:masterClrMapping/>
+  </p:clrMapOvr>
+</p:notes>
+</file>
+
+<file path=ppt/notesSlides/notesSlide11.xml><?xml version="1.0" encoding="utf-8"?>
+<p:notes xmlns:a="http://schemas.openxmlformats.org/drawingml/2006/main" xmlns:r="http://schemas.openxmlformats.org/officeDocument/2006/relationships" xmlns:p="http://schemas.openxmlformats.org/presentationml/2006/main">
+  <p:cSld>
+    <p:spTree>
+      <p:nvGrpSpPr>
+        <p:cNvPr id="1" name=""/>
+        <p:cNvGrpSpPr/>
+        <p:nvPr/>
+      </p:nvGrpSpPr>
+      <p:grpSpPr>
+        <a:xfrm>
+          <a:off x="0" y="0"/>
+          <a:ext cx="0" cy="0"/>
+          <a:chOff x="0" y="0"/>
+          <a:chExt cx="0" cy="0"/>
+        </a:xfrm>
+      </p:grpSpPr>
+      <p:sp>
+        <p:nvSpPr>
+          <p:cNvPr id="2" name="Diakép helye 1"/>
+          <p:cNvSpPr>
+            <a:spLocks noGrp="1" noRot="1" noChangeAspect="1"/>
+          </p:cNvSpPr>
+          <p:nvPr>
+            <p:ph type="sldImg"/>
+          </p:nvPr>
+        </p:nvSpPr>
+        <p:spPr/>
+      </p:sp>
+      <p:sp>
+        <p:nvSpPr>
+          <p:cNvPr id="3" name="Jegyzetek helye 2"/>
+          <p:cNvSpPr>
+            <a:spLocks noGrp="1"/>
+          </p:cNvSpPr>
+          <p:nvPr>
+            <p:ph type="body" idx="1"/>
+          </p:nvPr>
+        </p:nvSpPr>
+        <p:spPr/>
+        <p:txBody>
+          <a:bodyPr/>
+          <a:lstStyle/>
+          <a:p>
+            <a:r>
+              <a:rPr lang="hu-HU" dirty="0"/>
               <a:t>Összefoglalva a munkánkat:</a:t>
             </a:r>
           </a:p>
@@ -682,26 +794,8 @@
           <a:p>
             <a:r>
               <a:rPr lang="hu-HU" dirty="0"/>
-              <a:t>Az </a:t>
-            </a:r>
-            <a:r>
-              <a:rPr lang="hu-HU" dirty="0" err="1"/>
-              <a:t>alkamlmazást</a:t>
-            </a:r>
-            <a:r>
-              <a:rPr lang="hu-HU" dirty="0"/>
-              <a:t> modern technológiákat felhasználva valósítottuk meg.</a:t>
-            </a:r>
-          </a:p>
-          <a:p>
-            <a:endParaRPr lang="hu-HU" dirty="0"/>
-          </a:p>
-          <a:p>
-            <a:r>
-              <a:rPr lang="hu-HU" dirty="0"/>
-              <a:t>Köszönjük szépen a figyelmet!</a:t>
-            </a:r>
-            <a:endParaRPr lang="en-US" dirty="0"/>
+              <a:t>Az alkalmazást modern technológiákat felhasználva valósítottuk meg.</a:t>
+            </a:r>
           </a:p>
         </p:txBody>
       </p:sp>
@@ -732,6 +826,121 @@
     <p:extLst>
       <p:ext uri="{BB962C8B-B14F-4D97-AF65-F5344CB8AC3E}">
         <p14:creationId xmlns:p14="http://schemas.microsoft.com/office/powerpoint/2010/main" val="922909097"/>
+      </p:ext>
+    </p:extLst>
+  </p:cSld>
+  <p:clrMapOvr>
+    <a:masterClrMapping/>
+  </p:clrMapOvr>
+</p:notes>
+</file>
+
+<file path=ppt/notesSlides/notesSlide12.xml><?xml version="1.0" encoding="utf-8"?>
+<p:notes xmlns:a="http://schemas.openxmlformats.org/drawingml/2006/main" xmlns:r="http://schemas.openxmlformats.org/officeDocument/2006/relationships" xmlns:p="http://schemas.openxmlformats.org/presentationml/2006/main">
+  <p:cSld>
+    <p:spTree>
+      <p:nvGrpSpPr>
+        <p:cNvPr id="1" name=""/>
+        <p:cNvGrpSpPr/>
+        <p:nvPr/>
+      </p:nvGrpSpPr>
+      <p:grpSpPr>
+        <a:xfrm>
+          <a:off x="0" y="0"/>
+          <a:ext cx="0" cy="0"/>
+          <a:chOff x="0" y="0"/>
+          <a:chExt cx="0" cy="0"/>
+        </a:xfrm>
+      </p:grpSpPr>
+      <p:sp>
+        <p:nvSpPr>
+          <p:cNvPr id="2" name="Diakép helye 1"/>
+          <p:cNvSpPr>
+            <a:spLocks noGrp="1" noRot="1" noChangeAspect="1"/>
+          </p:cNvSpPr>
+          <p:nvPr>
+            <p:ph type="sldImg"/>
+          </p:nvPr>
+        </p:nvSpPr>
+        <p:spPr/>
+      </p:sp>
+      <p:sp>
+        <p:nvSpPr>
+          <p:cNvPr id="3" name="Jegyzetek helye 2"/>
+          <p:cNvSpPr>
+            <a:spLocks noGrp="1"/>
+          </p:cNvSpPr>
+          <p:nvPr>
+            <p:ph type="body" idx="1"/>
+          </p:nvPr>
+        </p:nvSpPr>
+        <p:spPr/>
+        <p:txBody>
+          <a:bodyPr/>
+          <a:lstStyle/>
+          <a:p>
+            <a:r>
+              <a:rPr lang="hu-HU" dirty="0"/>
+              <a:t>Sokféle továbbfejlesztési lehetőséget azonosítottunk. Például:</a:t>
+            </a:r>
+          </a:p>
+          <a:p>
+            <a:r>
+              <a:rPr lang="hu-HU" dirty="0"/>
+              <a:t>Feladattípusok kiterjesztése, hallás utáni szövegértés feladattal.</a:t>
+            </a:r>
+          </a:p>
+          <a:p>
+            <a:r>
+              <a:rPr lang="hu-HU" dirty="0"/>
+              <a:t>Bevezethetnénk további nyelveket.</a:t>
+            </a:r>
+          </a:p>
+          <a:p>
+            <a:r>
+              <a:rPr lang="hu-HU" dirty="0"/>
+              <a:t>Illetve bevonhatnánk különféle platformokat további kliensek készítésével.</a:t>
+            </a:r>
+          </a:p>
+          <a:p>
+            <a:endParaRPr lang="hu-HU" dirty="0"/>
+          </a:p>
+          <a:p>
+            <a:r>
+              <a:rPr lang="hu-HU" dirty="0"/>
+              <a:t>Köszönjük szépen a figyelmet!</a:t>
+            </a:r>
+            <a:endParaRPr lang="en-US" dirty="0"/>
+          </a:p>
+        </p:txBody>
+      </p:sp>
+      <p:sp>
+        <p:nvSpPr>
+          <p:cNvPr id="4" name="Dia számának helye 3"/>
+          <p:cNvSpPr>
+            <a:spLocks noGrp="1"/>
+          </p:cNvSpPr>
+          <p:nvPr>
+            <p:ph type="sldNum" sz="quarter" idx="10"/>
+          </p:nvPr>
+        </p:nvSpPr>
+        <p:spPr/>
+        <p:txBody>
+          <a:bodyPr/>
+          <a:lstStyle/>
+          <a:p>
+            <a:fld id="{1D516FE4-7614-40D7-AE9F-98690E879A96}" type="slidenum">
+              <a:rPr lang="en-US" smtClean="0"/>
+              <a:t>15</a:t>
+            </a:fld>
+            <a:endParaRPr lang="en-US"/>
+          </a:p>
+        </p:txBody>
+      </p:sp>
+    </p:spTree>
+    <p:extLst>
+      <p:ext uri="{BB962C8B-B14F-4D97-AF65-F5344CB8AC3E}">
+        <p14:creationId xmlns:p14="http://schemas.microsoft.com/office/powerpoint/2010/main" val="2059100174"/>
       </p:ext>
     </p:extLst>
   </p:cSld>
@@ -787,13 +996,13 @@
           <a:p>
             <a:r>
               <a:rPr lang="hu-HU" dirty="0"/>
-              <a:t>Az előadást az elkészített alkalmazás rövid bemutatásával kezdjük. Ezután beszélük az alkalmazás architektúrákáról. Ezután bemutatjuk milyen technológiákat használtunk az implementáció során.</a:t>
+              <a:t>Az előadást az elkészített alkalmazás rövid bemutatásával kezdjük. Ezután beszélük az alkalmazás architektúrájáról. Ezután bemutatjuk milyen technológiákat használtunk az implementáció során.</a:t>
             </a:r>
           </a:p>
           <a:p>
             <a:r>
               <a:rPr lang="hu-HU" dirty="0"/>
-              <a:t>Az előadásunkat a tanulságokkal zárjuk.</a:t>
+              <a:t>Végül az előadásunkat a tanulságokkal és továbbfejlesztési lehetőségekkel zárjuk le.</a:t>
             </a:r>
             <a:endParaRPr lang="en-US" dirty="0"/>
           </a:p>
@@ -900,7 +1109,7 @@
           <a:p>
             <a:fld id="{1D516FE4-7614-40D7-AE9F-98690E879A96}" type="slidenum">
               <a:rPr lang="en-US" smtClean="0"/>
-              <a:t>5</a:t>
+              <a:t>3</a:t>
             </a:fld>
             <a:endParaRPr lang="en-US"/>
           </a:p>
@@ -909,7 +1118,7 @@
     </p:spTree>
     <p:extLst>
       <p:ext uri="{BB962C8B-B14F-4D97-AF65-F5344CB8AC3E}">
-        <p14:creationId xmlns:p14="http://schemas.microsoft.com/office/powerpoint/2010/main" val="983141771"/>
+        <p14:creationId xmlns:p14="http://schemas.microsoft.com/office/powerpoint/2010/main" val="1484043205"/>
       </p:ext>
     </p:extLst>
   </p:cSld>
@@ -984,7 +1193,7 @@
           <a:p>
             <a:fld id="{1D516FE4-7614-40D7-AE9F-98690E879A96}" type="slidenum">
               <a:rPr lang="en-US" smtClean="0"/>
-              <a:t>6</a:t>
+              <a:t>5</a:t>
             </a:fld>
             <a:endParaRPr lang="en-US"/>
           </a:p>
@@ -993,7 +1202,7 @@
     </p:spTree>
     <p:extLst>
       <p:ext uri="{BB962C8B-B14F-4D97-AF65-F5344CB8AC3E}">
-        <p14:creationId xmlns:p14="http://schemas.microsoft.com/office/powerpoint/2010/main" val="3157147393"/>
+        <p14:creationId xmlns:p14="http://schemas.microsoft.com/office/powerpoint/2010/main" val="983141771"/>
       </p:ext>
     </p:extLst>
   </p:cSld>
@@ -1047,7 +1256,7 @@
           <a:bodyPr/>
           <a:lstStyle/>
           <a:p>
-            <a:endParaRPr lang="hu-HU" dirty="0"/>
+            <a:endParaRPr lang="en-US" dirty="0"/>
           </a:p>
         </p:txBody>
       </p:sp>
@@ -1068,7 +1277,7 @@
           <a:p>
             <a:fld id="{1D516FE4-7614-40D7-AE9F-98690E879A96}" type="slidenum">
               <a:rPr lang="en-US" smtClean="0"/>
-              <a:t>9</a:t>
+              <a:t>6</a:t>
             </a:fld>
             <a:endParaRPr lang="en-US"/>
           </a:p>
@@ -1077,7 +1286,7 @@
     </p:spTree>
     <p:extLst>
       <p:ext uri="{BB962C8B-B14F-4D97-AF65-F5344CB8AC3E}">
-        <p14:creationId xmlns:p14="http://schemas.microsoft.com/office/powerpoint/2010/main" val="686038815"/>
+        <p14:creationId xmlns:p14="http://schemas.microsoft.com/office/powerpoint/2010/main" val="3157147393"/>
       </p:ext>
     </p:extLst>
   </p:cSld>
@@ -1131,31 +1340,7 @@
           <a:bodyPr/>
           <a:lstStyle/>
           <a:p>
-            <a:r>
-              <a:rPr lang="hu-HU" dirty="0"/>
-              <a:t>A kliens is egy rétegzett architektúra szerint lett megvalósítva.</a:t>
-            </a:r>
-          </a:p>
-          <a:p>
-            <a:r>
-              <a:rPr lang="hu-HU" dirty="0"/>
-              <a:t>A legfelső réteg a „Megjelenítés réteg”, feladata, hogy az adatokat prezentálja a felhasználók felé.</a:t>
-            </a:r>
-          </a:p>
-          <a:p>
-            <a:r>
-              <a:rPr lang="hu-HU" dirty="0"/>
-              <a:t>Ez a réteg az „Üzleti logika réteg” szolgáltatásaira épül, amelynek a feladata a felhasználói interakciók kezelése, pl.: leckék hozzáadása az adatbázishoz, illetve a logika megvalósítása. Az egyik legbonyolultabb logika az alkalmazásban egy lecke levezénylése.</a:t>
-            </a:r>
-          </a:p>
-          <a:p>
-            <a:r>
-              <a:rPr lang="hu-HU" dirty="0"/>
-              <a:t>Az „Üzleti logika réteg” a „Szolgáltatás hozzáférés rétegre” épül, amelynek feladata, hogy a kéréseket továbbítsa a szerver felé, jól definiált interfészekre támaszkodva, REST kérések formájában.</a:t>
-            </a:r>
-          </a:p>
-          <a:p>
-            <a:endParaRPr lang="en-US" dirty="0"/>
+            <a:endParaRPr lang="hu-HU" dirty="0"/>
           </a:p>
         </p:txBody>
       </p:sp>
@@ -1176,7 +1361,7 @@
           <a:p>
             <a:fld id="{1D516FE4-7614-40D7-AE9F-98690E879A96}" type="slidenum">
               <a:rPr lang="en-US" smtClean="0"/>
-              <a:t>10</a:t>
+              <a:t>9</a:t>
             </a:fld>
             <a:endParaRPr lang="en-US"/>
           </a:p>
@@ -1185,7 +1370,7 @@
     </p:spTree>
     <p:extLst>
       <p:ext uri="{BB962C8B-B14F-4D97-AF65-F5344CB8AC3E}">
-        <p14:creationId xmlns:p14="http://schemas.microsoft.com/office/powerpoint/2010/main" val="1823356172"/>
+        <p14:creationId xmlns:p14="http://schemas.microsoft.com/office/powerpoint/2010/main" val="686038815"/>
       </p:ext>
     </p:extLst>
   </p:cSld>
@@ -1241,79 +1426,25 @@
           <a:p>
             <a:r>
               <a:rPr lang="hu-HU" dirty="0"/>
-              <a:t>Az alkalmazás Java környezetben lett megvalósítva, így az használható mind Windows, mind </a:t>
-            </a:r>
-            <a:r>
-              <a:rPr lang="hu-HU" dirty="0" err="1"/>
-              <a:t>Unixos</a:t>
-            </a:r>
+              <a:t>A kliens is egy rétegzett architektúra szerint lett megvalósítva. Három réteget különböztetünk meg.</a:t>
+            </a:r>
+          </a:p>
+          <a:p>
             <a:r>
               <a:rPr lang="hu-HU" dirty="0"/>
-              <a:t> platformokon is.</a:t>
+              <a:t>A legfelső réteg a „Megjelenítés réteg”, feladata, hogy az adatokat prezentálja a felhasználók felé.</a:t>
             </a:r>
           </a:p>
           <a:p>
             <a:r>
               <a:rPr lang="hu-HU" dirty="0"/>
-              <a:t>Az alkalmazás </a:t>
-            </a:r>
-            <a:r>
-              <a:rPr lang="hu-HU" dirty="0" err="1"/>
-              <a:t>buildelését</a:t>
-            </a:r>
+              <a:t>Ez a réteg az „Üzleti logika réteg” szolgáltatásaira épül, amelynek a feladata a felhasználói interakciók kezelése, pl.: leckék hozzáadása az adatbázishoz, illetve a logika megvalósítása. Az egyik legbonyolultabb logika az alkalmazásban egy lecke levezénylése.</a:t>
+            </a:r>
+          </a:p>
+          <a:p>
             <a:r>
               <a:rPr lang="hu-HU" dirty="0"/>
-              <a:t> és függőségek feloldását </a:t>
-            </a:r>
-            <a:r>
-              <a:rPr lang="hu-HU" dirty="0" err="1"/>
-              <a:t>Mavennel</a:t>
-            </a:r>
-            <a:r>
-              <a:rPr lang="hu-HU" dirty="0"/>
-              <a:t> oldottuk meg.</a:t>
-            </a:r>
-          </a:p>
-          <a:p>
-            <a:r>
-              <a:rPr lang="hu-HU" dirty="0"/>
-              <a:t>A szerver </a:t>
-            </a:r>
-            <a:r>
-              <a:rPr lang="hu-HU" dirty="0" err="1"/>
-              <a:t>hostolásához</a:t>
-            </a:r>
-            <a:r>
-              <a:rPr lang="hu-HU" dirty="0"/>
-              <a:t> a </a:t>
-            </a:r>
-            <a:r>
-              <a:rPr lang="hu-HU" dirty="0" err="1"/>
-              <a:t>Wildfly</a:t>
-            </a:r>
-            <a:r>
-              <a:rPr lang="hu-HU" dirty="0"/>
-              <a:t>-t használtuk fel.</a:t>
-            </a:r>
-          </a:p>
-          <a:p>
-            <a:r>
-              <a:rPr lang="hu-HU" dirty="0"/>
-              <a:t>Az adatbázis, amelyben tároljuk az adatokat egy Oracle adatbázis.</a:t>
-            </a:r>
-          </a:p>
-          <a:p>
-            <a:r>
-              <a:rPr lang="hu-HU" dirty="0"/>
-              <a:t>Végül a grafikus felületet </a:t>
-            </a:r>
-            <a:r>
-              <a:rPr lang="hu-HU" dirty="0" err="1"/>
-              <a:t>JavaFX</a:t>
-            </a:r>
-            <a:r>
-              <a:rPr lang="hu-HU" dirty="0"/>
-              <a:t>-szel valósítottuk meg.</a:t>
+              <a:t>Az „Üzleti logika réteg” a „Szolgáltatás hozzáférés rétegre” épül, amelynek feladata, hogy a kéréseket továbbítsa a szerver felé, jól definiált interfészekre támaszkodva, REST kérések formájában.</a:t>
             </a:r>
           </a:p>
           <a:p>
@@ -1338,7 +1469,7 @@
           <a:p>
             <a:fld id="{1D516FE4-7614-40D7-AE9F-98690E879A96}" type="slidenum">
               <a:rPr lang="en-US" smtClean="0"/>
-              <a:t>11</a:t>
+              <a:t>10</a:t>
             </a:fld>
             <a:endParaRPr lang="en-US"/>
           </a:p>
@@ -1347,7 +1478,7 @@
     </p:spTree>
     <p:extLst>
       <p:ext uri="{BB962C8B-B14F-4D97-AF65-F5344CB8AC3E}">
-        <p14:creationId xmlns:p14="http://schemas.microsoft.com/office/powerpoint/2010/main" val="768897441"/>
+        <p14:creationId xmlns:p14="http://schemas.microsoft.com/office/powerpoint/2010/main" val="1823356172"/>
       </p:ext>
     </p:extLst>
   </p:cSld>
@@ -1403,28 +1534,74 @@
           <a:p>
             <a:r>
               <a:rPr lang="hu-HU" dirty="0"/>
-              <a:t>Biztosan állíthatom, hogy sokat tanultunk ebből a feladatból.</a:t>
+              <a:t>Az alkalmazás Java környezetben lett megvalósítva, így az futtatható mind Windows, mind Unix-alapú rendszereken is.</a:t>
             </a:r>
           </a:p>
           <a:p>
             <a:r>
               <a:rPr lang="hu-HU" dirty="0"/>
-              <a:t>Első tanulság, hogy a Java platform nagyon elterjedt, egy-egy feladatra nagyon sok jóminőségű </a:t>
+              <a:t>Az alkalmazás </a:t>
             </a:r>
             <a:r>
               <a:rPr lang="hu-HU" dirty="0" err="1"/>
-              <a:t>library</a:t>
+              <a:t>buildelését</a:t>
             </a:r>
             <a:r>
               <a:rPr lang="hu-HU" dirty="0"/>
-              <a:t> választható. És nagyon sokan használnak Java-t.</a:t>
-            </a:r>
-          </a:p>
-          <a:p>
+              <a:t> és függőségek feloldását </a:t>
+            </a:r>
+            <a:r>
+              <a:rPr lang="hu-HU" dirty="0" err="1"/>
+              <a:t>Mavennel</a:t>
+            </a:r>
             <a:r>
               <a:rPr lang="hu-HU" dirty="0"/>
-              <a:t>Második tanulság, hogy a környezet összeállítása, főleg a webes kommunikáció és a sok függőség miatt nem triviális, még olyan keretrendszerek felhasználásával sem, amelyeket pont ilyen problémákra fejlesztettek.</a:t>
-            </a:r>
+              <a:t> oldottuk meg.</a:t>
+            </a:r>
+          </a:p>
+          <a:p>
+            <a:r>
+              <a:rPr lang="hu-HU" dirty="0"/>
+              <a:t>A szerver </a:t>
+            </a:r>
+            <a:r>
+              <a:rPr lang="hu-HU" dirty="0" err="1"/>
+              <a:t>hostolásához</a:t>
+            </a:r>
+            <a:r>
+              <a:rPr lang="hu-HU" dirty="0"/>
+              <a:t> a </a:t>
+            </a:r>
+            <a:r>
+              <a:rPr lang="hu-HU" dirty="0" err="1"/>
+              <a:t>Wildfly</a:t>
+            </a:r>
+            <a:r>
+              <a:rPr lang="hu-HU" dirty="0"/>
+              <a:t>-t használtuk fel.</a:t>
+            </a:r>
+          </a:p>
+          <a:p>
+            <a:r>
+              <a:rPr lang="hu-HU" dirty="0"/>
+              <a:t>Az adatbázis, amelyben tároljuk az adatokat egy Oracle adatbázis.</a:t>
+            </a:r>
+          </a:p>
+          <a:p>
+            <a:r>
+              <a:rPr lang="hu-HU" dirty="0"/>
+              <a:t>Végül a grafikus felületet </a:t>
+            </a:r>
+            <a:r>
+              <a:rPr lang="hu-HU" dirty="0" err="1"/>
+              <a:t>JavaFX</a:t>
+            </a:r>
+            <a:r>
+              <a:rPr lang="hu-HU" dirty="0"/>
+              <a:t>-szel valósítottuk meg.</a:t>
+            </a:r>
+          </a:p>
+          <a:p>
             <a:endParaRPr lang="en-US" dirty="0"/>
           </a:p>
         </p:txBody>
@@ -1446,7 +1623,7 @@
           <a:p>
             <a:fld id="{1D516FE4-7614-40D7-AE9F-98690E879A96}" type="slidenum">
               <a:rPr lang="en-US" smtClean="0"/>
-              <a:t>12</a:t>
+              <a:t>11</a:t>
             </a:fld>
             <a:endParaRPr lang="en-US"/>
           </a:p>
@@ -1455,7 +1632,7 @@
     </p:spTree>
     <p:extLst>
       <p:ext uri="{BB962C8B-B14F-4D97-AF65-F5344CB8AC3E}">
-        <p14:creationId xmlns:p14="http://schemas.microsoft.com/office/powerpoint/2010/main" val="1179736494"/>
+        <p14:creationId xmlns:p14="http://schemas.microsoft.com/office/powerpoint/2010/main" val="768897441"/>
       </p:ext>
     </p:extLst>
   </p:cSld>
@@ -1511,29 +1688,27 @@
           <a:p>
             <a:r>
               <a:rPr lang="hu-HU" dirty="0"/>
-              <a:t>Továbbá az adatbázis elérés talán könnyebb lett volna valamilyen magasabb szintű keretrendszer felhasználásával, pl. </a:t>
+              <a:t>Biztosan állíthatom, hogy sokat tanultunk ebből a feladatból.</a:t>
+            </a:r>
+          </a:p>
+          <a:p>
+            <a:r>
+              <a:rPr lang="hu-HU" dirty="0"/>
+              <a:t>Első tanulság, hogy a Java platform széleskörűen elterjedt, egy-egy feladatra nagyon sok jóminőségű </a:t>
             </a:r>
             <a:r>
               <a:rPr lang="hu-HU" dirty="0" err="1"/>
-              <a:t>Híbernate</a:t>
+              <a:t>library</a:t>
             </a:r>
             <a:r>
               <a:rPr lang="hu-HU" dirty="0"/>
-              <a:t>-tel.</a:t>
+              <a:t> választható. </a:t>
             </a:r>
           </a:p>
           <a:p>
             <a:r>
               <a:rPr lang="hu-HU" dirty="0"/>
-              <a:t>Végül, a grafikus felület programozása nehézkes lehet, még </a:t>
-            </a:r>
-            <a:r>
-              <a:rPr lang="hu-HU" dirty="0" err="1"/>
-              <a:t>JavaFX</a:t>
-            </a:r>
-            <a:r>
-              <a:rPr lang="hu-HU" dirty="0"/>
-              <a:t>-szel is. Jó volna egy magasabb szintű keretrendszer, amely támogatja pl.: az adatkötéseket. Sajnos ilyen téren a Java világban elterjedt megoldás nincs. A .NET világ ilyen téren a Java előtt jár.</a:t>
+              <a:t>Második tanulság, hogy a környezet összeállítása, főleg a webes kommunikáció és a sok függőség miatt nem triviális, még olyan keretrendszerek felhasználásával sem, amelyeket pont ilyen problémákra fejlesztettek.</a:t>
             </a:r>
             <a:endParaRPr lang="en-US" dirty="0"/>
           </a:p>
@@ -1556,7 +1731,7 @@
           <a:p>
             <a:fld id="{1D516FE4-7614-40D7-AE9F-98690E879A96}" type="slidenum">
               <a:rPr lang="en-US" smtClean="0"/>
-              <a:t>13</a:t>
+              <a:t>12</a:t>
             </a:fld>
             <a:endParaRPr lang="en-US"/>
           </a:p>
@@ -1565,7 +1740,7 @@
     </p:spTree>
     <p:extLst>
       <p:ext uri="{BB962C8B-B14F-4D97-AF65-F5344CB8AC3E}">
-        <p14:creationId xmlns:p14="http://schemas.microsoft.com/office/powerpoint/2010/main" val="279951789"/>
+        <p14:creationId xmlns:p14="http://schemas.microsoft.com/office/powerpoint/2010/main" val="1179736494"/>
       </p:ext>
     </p:extLst>
   </p:cSld>
@@ -9053,8 +9228,8 @@
         </p:nvSpPr>
         <p:spPr>
           <a:xfrm>
-            <a:off x="609599" y="1711569"/>
-            <a:ext cx="6459416" cy="4329794"/>
+            <a:off x="609598" y="1711569"/>
+            <a:ext cx="7397263" cy="4329794"/>
           </a:xfrm>
         </p:spPr>
         <p:txBody>
@@ -9454,6 +9629,166 @@
 </p:sld>
 </file>
 
+<file path=ppt/slides/slide15.xml><?xml version="1.0" encoding="utf-8"?>
+<p:sld xmlns:a="http://schemas.openxmlformats.org/drawingml/2006/main" xmlns:r="http://schemas.openxmlformats.org/officeDocument/2006/relationships" xmlns:p="http://schemas.openxmlformats.org/presentationml/2006/main">
+  <p:cSld>
+    <p:spTree>
+      <p:nvGrpSpPr>
+        <p:cNvPr id="1" name=""/>
+        <p:cNvGrpSpPr/>
+        <p:nvPr/>
+      </p:nvGrpSpPr>
+      <p:grpSpPr>
+        <a:xfrm>
+          <a:off x="0" y="0"/>
+          <a:ext cx="0" cy="0"/>
+          <a:chOff x="0" y="0"/>
+          <a:chExt cx="0" cy="0"/>
+        </a:xfrm>
+      </p:grpSpPr>
+      <p:sp>
+        <p:nvSpPr>
+          <p:cNvPr id="2" name="Cím 1">
+            <a:extLst>
+              <a:ext uri="{FF2B5EF4-FFF2-40B4-BE49-F238E27FC236}">
+                <a16:creationId xmlns:a16="http://schemas.microsoft.com/office/drawing/2014/main" id="{15236B7A-C743-4134-9B8B-FDCD6B2888A6}"/>
+              </a:ext>
+            </a:extLst>
+          </p:cNvPr>
+          <p:cNvSpPr>
+            <a:spLocks noGrp="1"/>
+          </p:cNvSpPr>
+          <p:nvPr>
+            <p:ph type="title"/>
+          </p:nvPr>
+        </p:nvSpPr>
+        <p:spPr>
+          <a:xfrm>
+            <a:off x="609599" y="609600"/>
+            <a:ext cx="6347713" cy="832338"/>
+          </a:xfrm>
+        </p:spPr>
+        <p:txBody>
+          <a:bodyPr/>
+          <a:lstStyle/>
+          <a:p>
+            <a:r>
+              <a:rPr lang="hu-HU" sz="4000" dirty="0"/>
+              <a:t>Kiterjesztési lehetőségek</a:t>
+            </a:r>
+            <a:endParaRPr lang="en-US" dirty="0"/>
+          </a:p>
+        </p:txBody>
+      </p:sp>
+      <p:sp>
+        <p:nvSpPr>
+          <p:cNvPr id="3" name="Tartalom helye 2">
+            <a:extLst>
+              <a:ext uri="{FF2B5EF4-FFF2-40B4-BE49-F238E27FC236}">
+                <a16:creationId xmlns:a16="http://schemas.microsoft.com/office/drawing/2014/main" id="{FBD28282-B3B7-4344-B497-4867057D04AF}"/>
+              </a:ext>
+            </a:extLst>
+          </p:cNvPr>
+          <p:cNvSpPr>
+            <a:spLocks noGrp="1"/>
+          </p:cNvSpPr>
+          <p:nvPr>
+            <p:ph idx="1"/>
+          </p:nvPr>
+        </p:nvSpPr>
+        <p:spPr>
+          <a:xfrm>
+            <a:off x="609599" y="1711569"/>
+            <a:ext cx="6347714" cy="4329794"/>
+          </a:xfrm>
+        </p:spPr>
+        <p:txBody>
+          <a:bodyPr>
+            <a:normAutofit/>
+          </a:bodyPr>
+          <a:lstStyle/>
+          <a:p>
+            <a:pPr>
+              <a:spcBef>
+                <a:spcPts val="1400"/>
+              </a:spcBef>
+            </a:pPr>
+            <a:r>
+              <a:rPr lang="hu-HU" sz="3200" dirty="0"/>
+              <a:t>Feladattípusok kiterjesztése</a:t>
+            </a:r>
+          </a:p>
+          <a:p>
+            <a:pPr lvl="1">
+              <a:spcBef>
+                <a:spcPts val="1400"/>
+              </a:spcBef>
+            </a:pPr>
+            <a:r>
+              <a:rPr lang="hu-HU" sz="2800" dirty="0"/>
+              <a:t>Hallás utáni szövegértés</a:t>
+            </a:r>
+          </a:p>
+          <a:p>
+            <a:pPr>
+              <a:spcBef>
+                <a:spcPts val="1400"/>
+              </a:spcBef>
+            </a:pPr>
+            <a:r>
+              <a:rPr lang="hu-HU" sz="3200" dirty="0"/>
+              <a:t>További nyelvek bevezetése</a:t>
+            </a:r>
+          </a:p>
+          <a:p>
+            <a:pPr>
+              <a:spcBef>
+                <a:spcPts val="1400"/>
+              </a:spcBef>
+            </a:pPr>
+            <a:r>
+              <a:rPr lang="hu-HU" sz="3200" dirty="0"/>
+              <a:t>Kliens készítése további platformokon</a:t>
+            </a:r>
+          </a:p>
+          <a:p>
+            <a:pPr lvl="1">
+              <a:spcBef>
+                <a:spcPts val="1400"/>
+              </a:spcBef>
+            </a:pPr>
+            <a:r>
+              <a:rPr lang="hu-HU" sz="2800" dirty="0"/>
+              <a:t>Okostelefon</a:t>
+            </a:r>
+            <a:endParaRPr lang="hu-HU" sz="3000" dirty="0"/>
+          </a:p>
+          <a:p>
+            <a:pPr lvl="1">
+              <a:spcBef>
+                <a:spcPts val="1400"/>
+              </a:spcBef>
+            </a:pPr>
+            <a:r>
+              <a:rPr lang="hu-HU" sz="2800" dirty="0"/>
+              <a:t>Webes felület</a:t>
+            </a:r>
+          </a:p>
+        </p:txBody>
+      </p:sp>
+    </p:spTree>
+    <p:extLst>
+      <p:ext uri="{BB962C8B-B14F-4D97-AF65-F5344CB8AC3E}">
+        <p14:creationId xmlns:p14="http://schemas.microsoft.com/office/powerpoint/2010/main" val="3968571902"/>
+      </p:ext>
+    </p:extLst>
+  </p:cSld>
+  <p:clrMapOvr>
+    <a:masterClrMapping/>
+  </p:clrMapOvr>
+</p:sld>
+</file>
+
 <file path=ppt/slides/slide2.xml><?xml version="1.0" encoding="utf-8"?>
 <p:sld xmlns:a="http://schemas.openxmlformats.org/drawingml/2006/main" xmlns:r="http://schemas.openxmlformats.org/officeDocument/2006/relationships" xmlns:p="http://schemas.openxmlformats.org/presentationml/2006/main">
   <p:cSld>
@@ -9574,6 +9909,17 @@
             <a:r>
               <a:rPr lang="hu-HU" sz="3200" dirty="0"/>
               <a:t>Tanulságok</a:t>
+            </a:r>
+          </a:p>
+          <a:p>
+            <a:pPr>
+              <a:spcBef>
+                <a:spcPts val="1400"/>
+              </a:spcBef>
+            </a:pPr>
+            <a:r>
+              <a:rPr lang="hu-HU" sz="3200" dirty="0"/>
+              <a:t>Kiterjesztési lehetőségekkel</a:t>
             </a:r>
             <a:endParaRPr lang="en-US" sz="3600" dirty="0"/>
           </a:p>
@@ -9661,8 +10007,8 @@
         </p:nvSpPr>
         <p:spPr>
           <a:xfrm>
-            <a:off x="609599" y="1711568"/>
-            <a:ext cx="6347714" cy="4888523"/>
+            <a:off x="609598" y="1711568"/>
+            <a:ext cx="6506309" cy="4888523"/>
           </a:xfrm>
         </p:spPr>
         <p:txBody>
@@ -9924,10 +10270,10 @@
       </p:sp>
       <p:pic>
         <p:nvPicPr>
-          <p:cNvPr id="4" name="Kép 3" descr="A képen képernyőkép látható&#10;&#10;A leírás teljesen megbízható">
+          <p:cNvPr id="5" name="Kép 4" descr="A képen képernyőkép látható&#10;&#10;A leírás teljesen megbízható">
             <a:extLst>
               <a:ext uri="{FF2B5EF4-FFF2-40B4-BE49-F238E27FC236}">
-                <a16:creationId xmlns:a16="http://schemas.microsoft.com/office/drawing/2014/main" id="{666CAF13-BF31-4DF6-8D58-CA9A71C9F7E8}"/>
+                <a16:creationId xmlns:a16="http://schemas.microsoft.com/office/drawing/2014/main" id="{62F6A51B-06E9-4CC1-BE91-A86555B25220}"/>
               </a:ext>
             </a:extLst>
           </p:cNvPr>
@@ -9950,8 +10296,8 @@
         </p:blipFill>
         <p:spPr>
           <a:xfrm>
-            <a:off x="1097478" y="1441938"/>
-            <a:ext cx="5724000" cy="5172186"/>
+            <a:off x="921455" y="1441938"/>
+            <a:ext cx="5724000" cy="5153237"/>
           </a:xfrm>
           <a:prstGeom prst="rect">
             <a:avLst/>
